--- a/Images/high_level_neural_network.pptx
+++ b/Images/high_level_neural_network.pptx
@@ -6,6 +6,7 @@
   </p:sldMasterIdLst>
   <p:sldIdLst>
     <p:sldId id="256" r:id="rId2"/>
+    <p:sldId id="257" r:id="rId3"/>
   </p:sldIdLst>
   <p:sldSz cx="12192000" cy="6858000"/>
   <p:notesSz cx="6858000" cy="9144000"/>
@@ -104,6 +105,11 @@
       </a:defRPr>
     </a:lvl9pPr>
   </p:defaultTextStyle>
+  <p:extLst>
+    <p:ext uri="{EFAFB233-063F-42B5-8137-9DF3F51BA10A}">
+      <p15:sldGuideLst xmlns:p15="http://schemas.microsoft.com/office/powerpoint/2012/main"/>
+    </p:ext>
+  </p:extLst>
 </p:presentation>
 </file>
 
@@ -5516,6 +5522,654 @@
 </p:sld>
 </file>
 
+<file path=ppt/slides/slide2.xml><?xml version="1.0" encoding="utf-8"?>
+<p:sld xmlns:a="http://schemas.openxmlformats.org/drawingml/2006/main" xmlns:r="http://schemas.openxmlformats.org/officeDocument/2006/relationships" xmlns:p="http://schemas.openxmlformats.org/presentationml/2006/main">
+  <p:cSld>
+    <p:spTree>
+      <p:nvGrpSpPr>
+        <p:cNvPr id="1" name=""/>
+        <p:cNvGrpSpPr/>
+        <p:nvPr/>
+      </p:nvGrpSpPr>
+      <p:grpSpPr>
+        <a:xfrm>
+          <a:off x="0" y="0"/>
+          <a:ext cx="0" cy="0"/>
+          <a:chOff x="0" y="0"/>
+          <a:chExt cx="0" cy="0"/>
+        </a:xfrm>
+      </p:grpSpPr>
+      <p:sp>
+        <p:nvSpPr>
+          <p:cNvPr id="2" name="Rectangle 1">
+            <a:extLst>
+              <a:ext uri="{FF2B5EF4-FFF2-40B4-BE49-F238E27FC236}">
+                <a16:creationId xmlns:a16="http://schemas.microsoft.com/office/drawing/2014/main" id="{F5DC55A0-755C-48BD-417B-3257F97426F3}"/>
+              </a:ext>
+            </a:extLst>
+          </p:cNvPr>
+          <p:cNvSpPr/>
+          <p:nvPr/>
+        </p:nvSpPr>
+        <p:spPr>
+          <a:xfrm>
+            <a:off x="3775232" y="1526753"/>
+            <a:ext cx="951346" cy="360218"/>
+          </a:xfrm>
+          <a:prstGeom prst="rect">
+            <a:avLst/>
+          </a:prstGeom>
+          <a:solidFill>
+            <a:schemeClr val="tx2">
+              <a:lumMod val="60000"/>
+              <a:lumOff val="40000"/>
+            </a:schemeClr>
+          </a:solidFill>
+        </p:spPr>
+        <p:style>
+          <a:lnRef idx="2">
+            <a:schemeClr val="accent1">
+              <a:shade val="50000"/>
+            </a:schemeClr>
+          </a:lnRef>
+          <a:fillRef idx="1">
+            <a:schemeClr val="accent1"/>
+          </a:fillRef>
+          <a:effectRef idx="0">
+            <a:schemeClr val="accent1"/>
+          </a:effectRef>
+          <a:fontRef idx="minor">
+            <a:schemeClr val="lt1"/>
+          </a:fontRef>
+        </p:style>
+        <p:txBody>
+          <a:bodyPr rtlCol="0" anchor="ctr"/>
+          <a:lstStyle/>
+          <a:p>
+            <a:pPr algn="ctr"/>
+            <a:r>
+              <a:rPr lang="en-GB" dirty="0"/>
+              <a:t>Input1</a:t>
+            </a:r>
+          </a:p>
+        </p:txBody>
+      </p:sp>
+      <p:sp>
+        <p:nvSpPr>
+          <p:cNvPr id="7" name="Oval 6">
+            <a:extLst>
+              <a:ext uri="{FF2B5EF4-FFF2-40B4-BE49-F238E27FC236}">
+                <a16:creationId xmlns:a16="http://schemas.microsoft.com/office/drawing/2014/main" id="{B4A15D0C-8FAE-5153-031D-14DBDD1427DA}"/>
+              </a:ext>
+            </a:extLst>
+          </p:cNvPr>
+          <p:cNvSpPr/>
+          <p:nvPr/>
+        </p:nvSpPr>
+        <p:spPr>
+          <a:xfrm>
+            <a:off x="5952226" y="1777042"/>
+            <a:ext cx="577970" cy="604379"/>
+          </a:xfrm>
+          <a:prstGeom prst="ellipse">
+            <a:avLst/>
+          </a:prstGeom>
+        </p:spPr>
+        <p:style>
+          <a:lnRef idx="2">
+            <a:schemeClr val="accent6">
+              <a:shade val="50000"/>
+            </a:schemeClr>
+          </a:lnRef>
+          <a:fillRef idx="1">
+            <a:schemeClr val="accent6"/>
+          </a:fillRef>
+          <a:effectRef idx="0">
+            <a:schemeClr val="accent6"/>
+          </a:effectRef>
+          <a:fontRef idx="minor">
+            <a:schemeClr val="lt1"/>
+          </a:fontRef>
+        </p:style>
+        <p:txBody>
+          <a:bodyPr rtlCol="0" anchor="ctr"/>
+          <a:lstStyle/>
+          <a:p>
+            <a:pPr algn="ctr"/>
+            <a:endParaRPr lang="en-GB"/>
+          </a:p>
+        </p:txBody>
+      </p:sp>
+      <p:sp>
+        <p:nvSpPr>
+          <p:cNvPr id="8" name="Oval 7">
+            <a:extLst>
+              <a:ext uri="{FF2B5EF4-FFF2-40B4-BE49-F238E27FC236}">
+                <a16:creationId xmlns:a16="http://schemas.microsoft.com/office/drawing/2014/main" id="{C5AE545E-E794-A882-C81A-12C0CD069C94}"/>
+              </a:ext>
+            </a:extLst>
+          </p:cNvPr>
+          <p:cNvSpPr/>
+          <p:nvPr/>
+        </p:nvSpPr>
+        <p:spPr>
+          <a:xfrm>
+            <a:off x="5952226" y="2854285"/>
+            <a:ext cx="577970" cy="604379"/>
+          </a:xfrm>
+          <a:prstGeom prst="ellipse">
+            <a:avLst/>
+          </a:prstGeom>
+        </p:spPr>
+        <p:style>
+          <a:lnRef idx="2">
+            <a:schemeClr val="accent6">
+              <a:shade val="50000"/>
+            </a:schemeClr>
+          </a:lnRef>
+          <a:fillRef idx="1">
+            <a:schemeClr val="accent6"/>
+          </a:fillRef>
+          <a:effectRef idx="0">
+            <a:schemeClr val="accent6"/>
+          </a:effectRef>
+          <a:fontRef idx="minor">
+            <a:schemeClr val="lt1"/>
+          </a:fontRef>
+        </p:style>
+        <p:txBody>
+          <a:bodyPr rtlCol="0" anchor="ctr"/>
+          <a:lstStyle/>
+          <a:p>
+            <a:pPr algn="ctr"/>
+            <a:endParaRPr lang="en-GB"/>
+          </a:p>
+        </p:txBody>
+      </p:sp>
+      <p:cxnSp>
+        <p:nvCxnSpPr>
+          <p:cNvPr id="9" name="Straight Arrow Connector 8">
+            <a:extLst>
+              <a:ext uri="{FF2B5EF4-FFF2-40B4-BE49-F238E27FC236}">
+                <a16:creationId xmlns:a16="http://schemas.microsoft.com/office/drawing/2014/main" id="{FEC3CBB2-72CD-7859-78CB-AA40092C2D71}"/>
+              </a:ext>
+            </a:extLst>
+          </p:cNvPr>
+          <p:cNvCxnSpPr>
+            <a:stCxn id="2" idx="3"/>
+            <a:endCxn id="7" idx="2"/>
+          </p:cNvCxnSpPr>
+          <p:nvPr/>
+        </p:nvCxnSpPr>
+        <p:spPr>
+          <a:xfrm>
+            <a:off x="4726578" y="1706862"/>
+            <a:ext cx="1225648" cy="372370"/>
+          </a:xfrm>
+          <a:prstGeom prst="straightConnector1">
+            <a:avLst/>
+          </a:prstGeom>
+          <a:ln>
+            <a:tailEnd type="triangle"/>
+          </a:ln>
+        </p:spPr>
+        <p:style>
+          <a:lnRef idx="1">
+            <a:schemeClr val="dk1"/>
+          </a:lnRef>
+          <a:fillRef idx="0">
+            <a:schemeClr val="dk1"/>
+          </a:fillRef>
+          <a:effectRef idx="0">
+            <a:schemeClr val="dk1"/>
+          </a:effectRef>
+          <a:fontRef idx="minor">
+            <a:schemeClr val="tx1"/>
+          </a:fontRef>
+        </p:style>
+      </p:cxnSp>
+      <p:cxnSp>
+        <p:nvCxnSpPr>
+          <p:cNvPr id="14" name="Straight Arrow Connector 13">
+            <a:extLst>
+              <a:ext uri="{FF2B5EF4-FFF2-40B4-BE49-F238E27FC236}">
+                <a16:creationId xmlns:a16="http://schemas.microsoft.com/office/drawing/2014/main" id="{B95480FD-05E7-B2C4-EFB5-8EF8A573957A}"/>
+              </a:ext>
+            </a:extLst>
+          </p:cNvPr>
+          <p:cNvCxnSpPr>
+            <a:stCxn id="2" idx="3"/>
+            <a:endCxn id="8" idx="1"/>
+          </p:cNvCxnSpPr>
+          <p:nvPr/>
+        </p:nvCxnSpPr>
+        <p:spPr>
+          <a:xfrm>
+            <a:off x="4726578" y="1706862"/>
+            <a:ext cx="1310290" cy="1235932"/>
+          </a:xfrm>
+          <a:prstGeom prst="straightConnector1">
+            <a:avLst/>
+          </a:prstGeom>
+          <a:ln>
+            <a:tailEnd type="triangle"/>
+          </a:ln>
+        </p:spPr>
+        <p:style>
+          <a:lnRef idx="1">
+            <a:schemeClr val="dk1"/>
+          </a:lnRef>
+          <a:fillRef idx="0">
+            <a:schemeClr val="dk1"/>
+          </a:fillRef>
+          <a:effectRef idx="0">
+            <a:schemeClr val="dk1"/>
+          </a:effectRef>
+          <a:fontRef idx="minor">
+            <a:schemeClr val="tx1"/>
+          </a:fontRef>
+        </p:style>
+      </p:cxnSp>
+      <p:sp>
+        <p:nvSpPr>
+          <p:cNvPr id="19" name="TextBox 18">
+            <a:extLst>
+              <a:ext uri="{FF2B5EF4-FFF2-40B4-BE49-F238E27FC236}">
+                <a16:creationId xmlns:a16="http://schemas.microsoft.com/office/drawing/2014/main" id="{FBE393C3-B41E-7D27-D85F-BFC4D0726942}"/>
+              </a:ext>
+            </a:extLst>
+          </p:cNvPr>
+          <p:cNvSpPr txBox="1"/>
+          <p:nvPr/>
+        </p:nvSpPr>
+        <p:spPr>
+          <a:xfrm>
+            <a:off x="5736350" y="3608362"/>
+            <a:ext cx="984109" cy="646331"/>
+          </a:xfrm>
+          <a:prstGeom prst="rect">
+            <a:avLst/>
+          </a:prstGeom>
+          <a:noFill/>
+        </p:spPr>
+        <p:txBody>
+          <a:bodyPr wrap="square" rtlCol="0">
+            <a:spAutoFit/>
+          </a:bodyPr>
+          <a:lstStyle/>
+          <a:p>
+            <a:pPr algn="ctr"/>
+            <a:r>
+              <a:rPr lang="en-GB" dirty="0"/>
+              <a:t>Hidden </a:t>
+            </a:r>
+          </a:p>
+          <a:p>
+            <a:pPr algn="ctr"/>
+            <a:r>
+              <a:rPr lang="en-GB" dirty="0"/>
+              <a:t>Layer 1</a:t>
+            </a:r>
+          </a:p>
+        </p:txBody>
+      </p:sp>
+      <p:sp>
+        <p:nvSpPr>
+          <p:cNvPr id="20" name="TextBox 19">
+            <a:extLst>
+              <a:ext uri="{FF2B5EF4-FFF2-40B4-BE49-F238E27FC236}">
+                <a16:creationId xmlns:a16="http://schemas.microsoft.com/office/drawing/2014/main" id="{6D76603F-7999-1A68-D826-DFEFAD5D63BA}"/>
+              </a:ext>
+            </a:extLst>
+          </p:cNvPr>
+          <p:cNvSpPr txBox="1"/>
+          <p:nvPr/>
+        </p:nvSpPr>
+        <p:spPr>
+          <a:xfrm>
+            <a:off x="6530196" y="1894565"/>
+            <a:ext cx="1595887" cy="369332"/>
+          </a:xfrm>
+          <a:prstGeom prst="rect">
+            <a:avLst/>
+          </a:prstGeom>
+          <a:noFill/>
+        </p:spPr>
+        <p:txBody>
+          <a:bodyPr wrap="square" rtlCol="0">
+            <a:spAutoFit/>
+          </a:bodyPr>
+          <a:lstStyle/>
+          <a:p>
+            <a:pPr algn="ctr"/>
+            <a:r>
+              <a:rPr lang="en-GB" dirty="0"/>
+              <a:t>Neuron1</a:t>
+            </a:r>
+          </a:p>
+        </p:txBody>
+      </p:sp>
+      <p:sp>
+        <p:nvSpPr>
+          <p:cNvPr id="21" name="TextBox 20">
+            <a:extLst>
+              <a:ext uri="{FF2B5EF4-FFF2-40B4-BE49-F238E27FC236}">
+                <a16:creationId xmlns:a16="http://schemas.microsoft.com/office/drawing/2014/main" id="{132F3C5E-96B5-ADA6-094B-E79551BD1D6B}"/>
+              </a:ext>
+            </a:extLst>
+          </p:cNvPr>
+          <p:cNvSpPr txBox="1"/>
+          <p:nvPr/>
+        </p:nvSpPr>
+        <p:spPr>
+          <a:xfrm>
+            <a:off x="6814404" y="2971808"/>
+            <a:ext cx="1027469" cy="369332"/>
+          </a:xfrm>
+          <a:prstGeom prst="rect">
+            <a:avLst/>
+          </a:prstGeom>
+          <a:noFill/>
+        </p:spPr>
+        <p:txBody>
+          <a:bodyPr wrap="square" rtlCol="0">
+            <a:spAutoFit/>
+          </a:bodyPr>
+          <a:lstStyle/>
+          <a:p>
+            <a:pPr algn="ctr"/>
+            <a:r>
+              <a:rPr lang="en-GB" dirty="0"/>
+              <a:t>Neuron2</a:t>
+            </a:r>
+          </a:p>
+        </p:txBody>
+      </p:sp>
+      <p:sp>
+        <p:nvSpPr>
+          <p:cNvPr id="22" name="Freeform: Shape 21">
+            <a:extLst>
+              <a:ext uri="{FF2B5EF4-FFF2-40B4-BE49-F238E27FC236}">
+                <a16:creationId xmlns:a16="http://schemas.microsoft.com/office/drawing/2014/main" id="{264F8BF5-4857-FC5E-9797-8C52A30731F2}"/>
+              </a:ext>
+            </a:extLst>
+          </p:cNvPr>
+          <p:cNvSpPr/>
+          <p:nvPr/>
+        </p:nvSpPr>
+        <p:spPr>
+          <a:xfrm rot="16606881">
+            <a:off x="6073148" y="1892679"/>
+            <a:ext cx="361736" cy="342759"/>
+          </a:xfrm>
+          <a:custGeom>
+            <a:avLst/>
+            <a:gdLst>
+              <a:gd name="connsiteX0" fmla="*/ 0 w 508958"/>
+              <a:gd name="connsiteY0" fmla="*/ 0 h 508959"/>
+              <a:gd name="connsiteX1" fmla="*/ 310551 w 508958"/>
+              <a:gd name="connsiteY1" fmla="*/ 163902 h 508959"/>
+              <a:gd name="connsiteX2" fmla="*/ 319177 w 508958"/>
+              <a:gd name="connsiteY2" fmla="*/ 396815 h 508959"/>
+              <a:gd name="connsiteX3" fmla="*/ 508958 w 508958"/>
+              <a:gd name="connsiteY3" fmla="*/ 508959 h 508959"/>
+            </a:gdLst>
+            <a:ahLst/>
+            <a:cxnLst>
+              <a:cxn ang="0">
+                <a:pos x="connsiteX0" y="connsiteY0"/>
+              </a:cxn>
+              <a:cxn ang="0">
+                <a:pos x="connsiteX1" y="connsiteY1"/>
+              </a:cxn>
+              <a:cxn ang="0">
+                <a:pos x="connsiteX2" y="connsiteY2"/>
+              </a:cxn>
+              <a:cxn ang="0">
+                <a:pos x="connsiteX3" y="connsiteY3"/>
+              </a:cxn>
+            </a:cxnLst>
+            <a:rect l="l" t="t" r="r" b="b"/>
+            <a:pathLst>
+              <a:path w="508958" h="508959">
+                <a:moveTo>
+                  <a:pt x="0" y="0"/>
+                </a:moveTo>
+                <a:cubicBezTo>
+                  <a:pt x="128677" y="48883"/>
+                  <a:pt x="257355" y="97766"/>
+                  <a:pt x="310551" y="163902"/>
+                </a:cubicBezTo>
+                <a:cubicBezTo>
+                  <a:pt x="363747" y="230038"/>
+                  <a:pt x="286109" y="339305"/>
+                  <a:pt x="319177" y="396815"/>
+                </a:cubicBezTo>
+                <a:cubicBezTo>
+                  <a:pt x="352245" y="454325"/>
+                  <a:pt x="465826" y="470140"/>
+                  <a:pt x="508958" y="508959"/>
+                </a:cubicBezTo>
+              </a:path>
+            </a:pathLst>
+          </a:custGeom>
+          <a:noFill/>
+        </p:spPr>
+        <p:style>
+          <a:lnRef idx="2">
+            <a:schemeClr val="accent1">
+              <a:shade val="50000"/>
+            </a:schemeClr>
+          </a:lnRef>
+          <a:fillRef idx="1">
+            <a:schemeClr val="accent1"/>
+          </a:fillRef>
+          <a:effectRef idx="0">
+            <a:schemeClr val="accent1"/>
+          </a:effectRef>
+          <a:fontRef idx="minor">
+            <a:schemeClr val="lt1"/>
+          </a:fontRef>
+        </p:style>
+        <p:txBody>
+          <a:bodyPr rtlCol="0" anchor="ctr"/>
+          <a:lstStyle/>
+          <a:p>
+            <a:pPr algn="ctr"/>
+            <a:endParaRPr lang="en-GB"/>
+          </a:p>
+        </p:txBody>
+      </p:sp>
+      <p:sp>
+        <p:nvSpPr>
+          <p:cNvPr id="23" name="Freeform: Shape 22">
+            <a:extLst>
+              <a:ext uri="{FF2B5EF4-FFF2-40B4-BE49-F238E27FC236}">
+                <a16:creationId xmlns:a16="http://schemas.microsoft.com/office/drawing/2014/main" id="{C517E2EB-0D52-6479-9573-B477D12FA35A}"/>
+              </a:ext>
+            </a:extLst>
+          </p:cNvPr>
+          <p:cNvSpPr/>
+          <p:nvPr/>
+        </p:nvSpPr>
+        <p:spPr>
+          <a:xfrm rot="16606881">
+            <a:off x="6047537" y="2951524"/>
+            <a:ext cx="361736" cy="342759"/>
+          </a:xfrm>
+          <a:custGeom>
+            <a:avLst/>
+            <a:gdLst>
+              <a:gd name="connsiteX0" fmla="*/ 0 w 508958"/>
+              <a:gd name="connsiteY0" fmla="*/ 0 h 508959"/>
+              <a:gd name="connsiteX1" fmla="*/ 310551 w 508958"/>
+              <a:gd name="connsiteY1" fmla="*/ 163902 h 508959"/>
+              <a:gd name="connsiteX2" fmla="*/ 319177 w 508958"/>
+              <a:gd name="connsiteY2" fmla="*/ 396815 h 508959"/>
+              <a:gd name="connsiteX3" fmla="*/ 508958 w 508958"/>
+              <a:gd name="connsiteY3" fmla="*/ 508959 h 508959"/>
+            </a:gdLst>
+            <a:ahLst/>
+            <a:cxnLst>
+              <a:cxn ang="0">
+                <a:pos x="connsiteX0" y="connsiteY0"/>
+              </a:cxn>
+              <a:cxn ang="0">
+                <a:pos x="connsiteX1" y="connsiteY1"/>
+              </a:cxn>
+              <a:cxn ang="0">
+                <a:pos x="connsiteX2" y="connsiteY2"/>
+              </a:cxn>
+              <a:cxn ang="0">
+                <a:pos x="connsiteX3" y="connsiteY3"/>
+              </a:cxn>
+            </a:cxnLst>
+            <a:rect l="l" t="t" r="r" b="b"/>
+            <a:pathLst>
+              <a:path w="508958" h="508959">
+                <a:moveTo>
+                  <a:pt x="0" y="0"/>
+                </a:moveTo>
+                <a:cubicBezTo>
+                  <a:pt x="128677" y="48883"/>
+                  <a:pt x="257355" y="97766"/>
+                  <a:pt x="310551" y="163902"/>
+                </a:cubicBezTo>
+                <a:cubicBezTo>
+                  <a:pt x="363747" y="230038"/>
+                  <a:pt x="286109" y="339305"/>
+                  <a:pt x="319177" y="396815"/>
+                </a:cubicBezTo>
+                <a:cubicBezTo>
+                  <a:pt x="352245" y="454325"/>
+                  <a:pt x="465826" y="470140"/>
+                  <a:pt x="508958" y="508959"/>
+                </a:cubicBezTo>
+              </a:path>
+            </a:pathLst>
+          </a:custGeom>
+          <a:noFill/>
+        </p:spPr>
+        <p:style>
+          <a:lnRef idx="2">
+            <a:schemeClr val="accent1">
+              <a:shade val="50000"/>
+            </a:schemeClr>
+          </a:lnRef>
+          <a:fillRef idx="1">
+            <a:schemeClr val="accent1"/>
+          </a:fillRef>
+          <a:effectRef idx="0">
+            <a:schemeClr val="accent1"/>
+          </a:effectRef>
+          <a:fontRef idx="minor">
+            <a:schemeClr val="lt1"/>
+          </a:fontRef>
+        </p:style>
+        <p:txBody>
+          <a:bodyPr rtlCol="0" anchor="ctr"/>
+          <a:lstStyle/>
+          <a:p>
+            <a:pPr algn="ctr"/>
+            <a:endParaRPr lang="en-GB"/>
+          </a:p>
+        </p:txBody>
+      </p:sp>
+      <p:sp>
+        <p:nvSpPr>
+          <p:cNvPr id="24" name="TextBox 23">
+            <a:extLst>
+              <a:ext uri="{FF2B5EF4-FFF2-40B4-BE49-F238E27FC236}">
+                <a16:creationId xmlns:a16="http://schemas.microsoft.com/office/drawing/2014/main" id="{ADE7BF1F-BD12-8287-6A6C-262EA374EF38}"/>
+              </a:ext>
+            </a:extLst>
+          </p:cNvPr>
+          <p:cNvSpPr txBox="1"/>
+          <p:nvPr/>
+        </p:nvSpPr>
+        <p:spPr>
+          <a:xfrm>
+            <a:off x="5072851" y="1552973"/>
+            <a:ext cx="533101" cy="307777"/>
+          </a:xfrm>
+          <a:prstGeom prst="rect">
+            <a:avLst/>
+          </a:prstGeom>
+          <a:noFill/>
+        </p:spPr>
+        <p:txBody>
+          <a:bodyPr wrap="square" rtlCol="0">
+            <a:spAutoFit/>
+          </a:bodyPr>
+          <a:lstStyle/>
+          <a:p>
+            <a:pPr algn="ctr"/>
+            <a:r>
+              <a:rPr lang="en-GB" sz="1400" dirty="0"/>
+              <a:t>W</a:t>
+            </a:r>
+            <a:r>
+              <a:rPr lang="en-GB" sz="1400" baseline="-25000" dirty="0"/>
+              <a:t>1,1</a:t>
+            </a:r>
+            <a:endParaRPr lang="en-GB" sz="1400" dirty="0"/>
+          </a:p>
+        </p:txBody>
+      </p:sp>
+      <p:sp>
+        <p:nvSpPr>
+          <p:cNvPr id="26" name="TextBox 25">
+            <a:extLst>
+              <a:ext uri="{FF2B5EF4-FFF2-40B4-BE49-F238E27FC236}">
+                <a16:creationId xmlns:a16="http://schemas.microsoft.com/office/drawing/2014/main" id="{353C43D2-C1E6-07FA-5FC2-6BC021904590}"/>
+              </a:ext>
+            </a:extLst>
+          </p:cNvPr>
+          <p:cNvSpPr txBox="1"/>
+          <p:nvPr/>
+        </p:nvSpPr>
+        <p:spPr>
+          <a:xfrm>
+            <a:off x="4985647" y="2382412"/>
+            <a:ext cx="577970" cy="307777"/>
+          </a:xfrm>
+          <a:prstGeom prst="rect">
+            <a:avLst/>
+          </a:prstGeom>
+          <a:noFill/>
+        </p:spPr>
+        <p:txBody>
+          <a:bodyPr wrap="square" rtlCol="0">
+            <a:spAutoFit/>
+          </a:bodyPr>
+          <a:lstStyle/>
+          <a:p>
+            <a:pPr algn="ctr"/>
+            <a:r>
+              <a:rPr lang="en-GB" sz="1400" dirty="0"/>
+              <a:t>W</a:t>
+            </a:r>
+            <a:r>
+              <a:rPr lang="en-GB" sz="1400" baseline="-25000" dirty="0"/>
+              <a:t>1,2</a:t>
+            </a:r>
+            <a:endParaRPr lang="en-GB" sz="1400" dirty="0"/>
+          </a:p>
+        </p:txBody>
+      </p:sp>
+    </p:spTree>
+    <p:extLst>
+      <p:ext uri="{BB962C8B-B14F-4D97-AF65-F5344CB8AC3E}">
+        <p14:creationId xmlns:p14="http://schemas.microsoft.com/office/powerpoint/2010/main" val="3469605924"/>
+      </p:ext>
+    </p:extLst>
+  </p:cSld>
+  <p:clrMapOvr>
+    <a:masterClrMapping/>
+  </p:clrMapOvr>
+</p:sld>
+</file>
+
 <file path=ppt/theme/theme1.xml><?xml version="1.0" encoding="utf-8"?>
 <a:theme xmlns:a="http://schemas.openxmlformats.org/drawingml/2006/main" name="Office Theme">
   <a:themeElements>
